--- a/3_Presentations/week 5/Week_5 Team Feedback Controller WEC 2025.pptx
+++ b/3_Presentations/week 5/Week_5 Team Feedback Controller WEC 2025.pptx
@@ -6,7 +6,7 @@
     <p:sldMasterId id="2147483680" r:id="rId2"/>
   </p:sldMasterIdLst>
   <p:notesMasterIdLst>
-    <p:notesMasterId r:id="rId17"/>
+    <p:notesMasterId r:id="rId16"/>
   </p:notesMasterIdLst>
   <p:sldIdLst>
     <p:sldId id="257" r:id="rId3"/>
@@ -14,15 +14,14 @@
     <p:sldId id="261" r:id="rId5"/>
     <p:sldId id="283" r:id="rId6"/>
     <p:sldId id="286" r:id="rId7"/>
-    <p:sldId id="287" r:id="rId8"/>
-    <p:sldId id="288" r:id="rId9"/>
-    <p:sldId id="285" r:id="rId10"/>
-    <p:sldId id="290" r:id="rId11"/>
-    <p:sldId id="281" r:id="rId12"/>
-    <p:sldId id="282" r:id="rId13"/>
-    <p:sldId id="284" r:id="rId14"/>
-    <p:sldId id="289" r:id="rId15"/>
-    <p:sldId id="264" r:id="rId16"/>
+    <p:sldId id="288" r:id="rId8"/>
+    <p:sldId id="285" r:id="rId9"/>
+    <p:sldId id="290" r:id="rId10"/>
+    <p:sldId id="281" r:id="rId11"/>
+    <p:sldId id="282" r:id="rId12"/>
+    <p:sldId id="284" r:id="rId13"/>
+    <p:sldId id="289" r:id="rId14"/>
+    <p:sldId id="264" r:id="rId15"/>
   </p:sldIdLst>
   <p:sldSz cx="12192000" cy="6858000"/>
   <p:notesSz cx="6858000" cy="9144000"/>
@@ -211,7 +210,7 @@
           <a:p>
             <a:fld id="{8493C7D5-49C9-4310-99B0-74BF8F98F62E}" type="datetimeFigureOut">
               <a:rPr lang="en-US" smtClean="0"/>
-              <a:t>10/26/2025</a:t>
+              <a:t>10/27/2025</a:t>
             </a:fld>
             <a:endParaRPr lang="en-US"/>
           </a:p>
@@ -635,7 +634,7 @@
           <a:p>
             <a:fld id="{46834A5A-C299-4527-A106-DBD1B2885A9E}" type="slidenum">
               <a:rPr lang="en-US" smtClean="0"/>
-              <a:t>13</a:t>
+              <a:t>12</a:t>
             </a:fld>
             <a:endParaRPr lang="en-US"/>
           </a:p>
@@ -22386,7 +22385,7 @@
           <p:cNvPr id="3" name="Title 2">
             <a:extLst>
               <a:ext uri="{FF2B5EF4-FFF2-40B4-BE49-F238E27FC236}">
-                <a16:creationId xmlns:a16="http://schemas.microsoft.com/office/drawing/2014/main" id="{D0D33412-B1C9-0F80-AEDF-9AAAF7061002}"/>
+                <a16:creationId xmlns:a16="http://schemas.microsoft.com/office/drawing/2014/main" id="{3CCEFAAB-8B86-349C-BA26-2E2A49F7FEA5}"/>
               </a:ext>
             </a:extLst>
           </p:cNvPr>
@@ -22404,7 +22403,7 @@
           <a:p>
             <a:r>
               <a:rPr lang="en-US" noProof="0" dirty="0"/>
-              <a:t>Pitch Controller</a:t>
+              <a:t>EOG @ 12 m/s</a:t>
             </a:r>
           </a:p>
         </p:txBody>
@@ -22414,7 +22413,7 @@
           <p:cNvPr id="4" name="Date Placeholder 3">
             <a:extLst>
               <a:ext uri="{FF2B5EF4-FFF2-40B4-BE49-F238E27FC236}">
-                <a16:creationId xmlns:a16="http://schemas.microsoft.com/office/drawing/2014/main" id="{C564CC55-D30A-61D2-85C5-7C272C1DFB5B}"/>
+                <a16:creationId xmlns:a16="http://schemas.microsoft.com/office/drawing/2014/main" id="{B10CF239-D409-0F33-5007-7AB9F6E1D640}"/>
               </a:ext>
             </a:extLst>
           </p:cNvPr>
@@ -22442,7 +22441,7 @@
           <p:cNvPr id="5" name="Footer Placeholder 4">
             <a:extLst>
               <a:ext uri="{FF2B5EF4-FFF2-40B4-BE49-F238E27FC236}">
-                <a16:creationId xmlns:a16="http://schemas.microsoft.com/office/drawing/2014/main" id="{E3FBDCBC-9F1A-0514-23F6-7B06C57296FF}"/>
+                <a16:creationId xmlns:a16="http://schemas.microsoft.com/office/drawing/2014/main" id="{6C9CA43C-59FD-A476-70C4-5576C7CEE164}"/>
               </a:ext>
             </a:extLst>
           </p:cNvPr>
@@ -22470,7 +22469,7 @@
           <p:cNvPr id="6" name="Slide Number Placeholder 5">
             <a:extLst>
               <a:ext uri="{FF2B5EF4-FFF2-40B4-BE49-F238E27FC236}">
-                <a16:creationId xmlns:a16="http://schemas.microsoft.com/office/drawing/2014/main" id="{BCAB4F6E-9F6E-21FF-0C31-A8A87A51FA38}"/>
+                <a16:creationId xmlns:a16="http://schemas.microsoft.com/office/drawing/2014/main" id="{8FFA6121-C61F-E275-949E-BB77359761BD}"/>
               </a:ext>
             </a:extLst>
           </p:cNvPr>
@@ -22489,207 +22488,6 @@
             <a:fld id="{3A84E93A-72FE-4BB6-A500-FB6DD421822B}" type="slidenum">
               <a:rPr lang="en-US" noProof="0" smtClean="0"/>
               <a:t>10</a:t>
-            </a:fld>
-            <a:endParaRPr lang="en-US" noProof="0" dirty="0"/>
-          </a:p>
-        </p:txBody>
-      </p:sp>
-      <p:sp>
-        <p:nvSpPr>
-          <p:cNvPr id="7" name="Text Placeholder 6">
-            <a:extLst>
-              <a:ext uri="{FF2B5EF4-FFF2-40B4-BE49-F238E27FC236}">
-                <a16:creationId xmlns:a16="http://schemas.microsoft.com/office/drawing/2014/main" id="{9CFA9149-E6B9-D2FD-C1E6-6D4028B88C92}"/>
-              </a:ext>
-            </a:extLst>
-          </p:cNvPr>
-          <p:cNvSpPr>
-            <a:spLocks noGrp="1"/>
-          </p:cNvSpPr>
-          <p:nvPr>
-            <p:ph type="body" sz="quarter" idx="18"/>
-          </p:nvPr>
-        </p:nvSpPr>
-        <p:spPr/>
-        <p:txBody>
-          <a:bodyPr/>
-          <a:lstStyle/>
-          <a:p>
-            <a:r>
-              <a:rPr lang="en-US" noProof="0" dirty="0"/>
-              <a:t>Saurabh Jha - 770271</a:t>
-            </a:r>
-          </a:p>
-        </p:txBody>
-      </p:sp>
-      <p:pic>
-        <p:nvPicPr>
-          <p:cNvPr id="8" name="Picture 7">
-            <a:extLst>
-              <a:ext uri="{FF2B5EF4-FFF2-40B4-BE49-F238E27FC236}">
-                <a16:creationId xmlns:a16="http://schemas.microsoft.com/office/drawing/2014/main" id="{43C5F319-96E3-25BF-8A35-D4B01B127100}"/>
-              </a:ext>
-            </a:extLst>
-          </p:cNvPr>
-          <p:cNvPicPr>
-            <a:picLocks noChangeAspect="1"/>
-          </p:cNvPicPr>
-          <p:nvPr/>
-        </p:nvPicPr>
-        <p:blipFill>
-          <a:blip r:embed="rId2"/>
-          <a:stretch>
-            <a:fillRect/>
-          </a:stretch>
-        </p:blipFill>
-        <p:spPr>
-          <a:xfrm>
-            <a:off x="1370439" y="1412530"/>
-            <a:ext cx="9451122" cy="5148893"/>
-          </a:xfrm>
-          <a:prstGeom prst="rect">
-            <a:avLst/>
-          </a:prstGeom>
-        </p:spPr>
-      </p:pic>
-    </p:spTree>
-    <p:extLst>
-      <p:ext uri="{BB962C8B-B14F-4D97-AF65-F5344CB8AC3E}">
-        <p14:creationId xmlns:p14="http://schemas.microsoft.com/office/powerpoint/2010/main" val="822776300"/>
-      </p:ext>
-    </p:extLst>
-  </p:cSld>
-  <p:clrMapOvr>
-    <a:masterClrMapping/>
-  </p:clrMapOvr>
-</p:sld>
-</file>
-
-<file path=ppt/slides/slide11.xml><?xml version="1.0" encoding="utf-8"?>
-<p:sld xmlns:a="http://schemas.openxmlformats.org/drawingml/2006/main" xmlns:r="http://schemas.openxmlformats.org/officeDocument/2006/relationships" xmlns:p="http://schemas.openxmlformats.org/presentationml/2006/main">
-  <p:cSld>
-    <p:spTree>
-      <p:nvGrpSpPr>
-        <p:cNvPr id="1" name=""/>
-        <p:cNvGrpSpPr/>
-        <p:nvPr/>
-      </p:nvGrpSpPr>
-      <p:grpSpPr>
-        <a:xfrm>
-          <a:off x="0" y="0"/>
-          <a:ext cx="0" cy="0"/>
-          <a:chOff x="0" y="0"/>
-          <a:chExt cx="0" cy="0"/>
-        </a:xfrm>
-      </p:grpSpPr>
-      <p:sp>
-        <p:nvSpPr>
-          <p:cNvPr id="3" name="Title 2">
-            <a:extLst>
-              <a:ext uri="{FF2B5EF4-FFF2-40B4-BE49-F238E27FC236}">
-                <a16:creationId xmlns:a16="http://schemas.microsoft.com/office/drawing/2014/main" id="{3CCEFAAB-8B86-349C-BA26-2E2A49F7FEA5}"/>
-              </a:ext>
-            </a:extLst>
-          </p:cNvPr>
-          <p:cNvSpPr>
-            <a:spLocks noGrp="1"/>
-          </p:cNvSpPr>
-          <p:nvPr>
-            <p:ph type="title"/>
-          </p:nvPr>
-        </p:nvSpPr>
-        <p:spPr/>
-        <p:txBody>
-          <a:bodyPr/>
-          <a:lstStyle/>
-          <a:p>
-            <a:r>
-              <a:rPr lang="en-US" noProof="0" dirty="0"/>
-              <a:t>EOG @ 12 m/s</a:t>
-            </a:r>
-          </a:p>
-        </p:txBody>
-      </p:sp>
-      <p:sp>
-        <p:nvSpPr>
-          <p:cNvPr id="4" name="Date Placeholder 3">
-            <a:extLst>
-              <a:ext uri="{FF2B5EF4-FFF2-40B4-BE49-F238E27FC236}">
-                <a16:creationId xmlns:a16="http://schemas.microsoft.com/office/drawing/2014/main" id="{B10CF239-D409-0F33-5007-7AB9F6E1D640}"/>
-              </a:ext>
-            </a:extLst>
-          </p:cNvPr>
-          <p:cNvSpPr>
-            <a:spLocks noGrp="1"/>
-          </p:cNvSpPr>
-          <p:nvPr>
-            <p:ph type="dt" sz="half" idx="10"/>
-          </p:nvPr>
-        </p:nvSpPr>
-        <p:spPr/>
-        <p:txBody>
-          <a:bodyPr/>
-          <a:lstStyle/>
-          <a:p>
-            <a:r>
-              <a:rPr lang="en-US" noProof="0" dirty="0"/>
-              <a:t>28/10/2025</a:t>
-            </a:r>
-          </a:p>
-        </p:txBody>
-      </p:sp>
-      <p:sp>
-        <p:nvSpPr>
-          <p:cNvPr id="5" name="Footer Placeholder 4">
-            <a:extLst>
-              <a:ext uri="{FF2B5EF4-FFF2-40B4-BE49-F238E27FC236}">
-                <a16:creationId xmlns:a16="http://schemas.microsoft.com/office/drawing/2014/main" id="{6C9CA43C-59FD-A476-70C4-5576C7CEE164}"/>
-              </a:ext>
-            </a:extLst>
-          </p:cNvPr>
-          <p:cNvSpPr>
-            <a:spLocks noGrp="1"/>
-          </p:cNvSpPr>
-          <p:nvPr>
-            <p:ph type="ftr" sz="quarter" idx="11"/>
-          </p:nvPr>
-        </p:nvSpPr>
-        <p:spPr/>
-        <p:txBody>
-          <a:bodyPr/>
-          <a:lstStyle/>
-          <a:p>
-            <a:r>
-              <a:rPr lang="en-US" noProof="0" dirty="0"/>
-              <a:t>Feedback Controller / Optimus Syria</a:t>
-            </a:r>
-          </a:p>
-        </p:txBody>
-      </p:sp>
-      <p:sp>
-        <p:nvSpPr>
-          <p:cNvPr id="6" name="Slide Number Placeholder 5">
-            <a:extLst>
-              <a:ext uri="{FF2B5EF4-FFF2-40B4-BE49-F238E27FC236}">
-                <a16:creationId xmlns:a16="http://schemas.microsoft.com/office/drawing/2014/main" id="{8FFA6121-C61F-E275-949E-BB77359761BD}"/>
-              </a:ext>
-            </a:extLst>
-          </p:cNvPr>
-          <p:cNvSpPr>
-            <a:spLocks noGrp="1"/>
-          </p:cNvSpPr>
-          <p:nvPr>
-            <p:ph type="sldNum" sz="quarter" idx="12"/>
-          </p:nvPr>
-        </p:nvSpPr>
-        <p:spPr/>
-        <p:txBody>
-          <a:bodyPr/>
-          <a:lstStyle/>
-          <a:p>
-            <a:fld id="{3A84E93A-72FE-4BB6-A500-FB6DD421822B}" type="slidenum">
-              <a:rPr lang="en-US" noProof="0" smtClean="0"/>
-              <a:t>11</a:t>
             </a:fld>
             <a:endParaRPr lang="en-US" noProof="0" dirty="0"/>
           </a:p>
@@ -22766,7 +22564,7 @@
 </p:sld>
 </file>
 
-<file path=ppt/slides/slide12.xml><?xml version="1.0" encoding="utf-8"?>
+<file path=ppt/slides/slide11.xml><?xml version="1.0" encoding="utf-8"?>
 <p:sld xmlns:a="http://schemas.openxmlformats.org/drawingml/2006/main" xmlns:r="http://schemas.openxmlformats.org/officeDocument/2006/relationships" xmlns:p="http://schemas.openxmlformats.org/presentationml/2006/main">
   <p:cSld>
     <p:spTree>
@@ -22890,7 +22688,7 @@
           <a:p>
             <a:fld id="{3A84E93A-72FE-4BB6-A500-FB6DD421822B}" type="slidenum">
               <a:rPr lang="en-US" noProof="0" smtClean="0"/>
-              <a:t>12</a:t>
+              <a:t>11</a:t>
             </a:fld>
             <a:endParaRPr lang="en-US" noProof="0" dirty="0"/>
           </a:p>
@@ -22967,7 +22765,7 @@
 </p:sld>
 </file>
 
-<file path=ppt/slides/slide13.xml><?xml version="1.0" encoding="utf-8"?>
+<file path=ppt/slides/slide12.xml><?xml version="1.0" encoding="utf-8"?>
 <p:sld xmlns:a="http://schemas.openxmlformats.org/drawingml/2006/main" xmlns:r="http://schemas.openxmlformats.org/officeDocument/2006/relationships" xmlns:p="http://schemas.openxmlformats.org/presentationml/2006/main">
   <p:cSld>
     <p:spTree>
@@ -23091,7 +22889,7 @@
           <a:p>
             <a:fld id="{3A84E93A-72FE-4BB6-A500-FB6DD421822B}" type="slidenum">
               <a:rPr lang="en-US" noProof="0" smtClean="0"/>
-              <a:t>13</a:t>
+              <a:t>12</a:t>
             </a:fld>
             <a:endParaRPr lang="en-US" noProof="0" dirty="0"/>
           </a:p>
@@ -23218,8 +23016,8 @@
           </a:p>
         </p:txBody>
       </p:sp>
-      <mc:AlternateContent xmlns:mc="http://schemas.openxmlformats.org/markup-compatibility/2006">
-        <mc:Choice xmlns:a14="http://schemas.microsoft.com/office/drawing/2010/main" Requires="a14">
+      <mc:AlternateContent xmlns:mc="http://schemas.openxmlformats.org/markup-compatibility/2006" xmlns:a14="http://schemas.microsoft.com/office/drawing/2010/main">
+        <mc:Choice Requires="a14">
           <p:sp>
             <p:nvSpPr>
               <p:cNvPr id="8" name="TextBox 7">
@@ -23276,7 +23074,7 @@
             </p:txBody>
           </p:sp>
         </mc:Choice>
-        <mc:Fallback>
+        <mc:Fallback xmlns="">
           <p:sp>
             <p:nvSpPr>
               <p:cNvPr id="8" name="TextBox 7">
@@ -23321,8 +23119,8 @@
           </p:sp>
         </mc:Fallback>
       </mc:AlternateContent>
-      <mc:AlternateContent xmlns:mc="http://schemas.openxmlformats.org/markup-compatibility/2006">
-        <mc:Choice xmlns:a14="http://schemas.microsoft.com/office/drawing/2010/main" Requires="a14">
+      <mc:AlternateContent xmlns:mc="http://schemas.openxmlformats.org/markup-compatibility/2006" xmlns:a14="http://schemas.microsoft.com/office/drawing/2010/main">
+        <mc:Choice Requires="a14">
           <p:sp>
             <p:nvSpPr>
               <p:cNvPr id="15" name="TextBox 14">
@@ -23431,7 +23229,7 @@
             </p:txBody>
           </p:sp>
         </mc:Choice>
-        <mc:Fallback>
+        <mc:Fallback xmlns="">
           <p:sp>
             <p:nvSpPr>
               <p:cNvPr id="15" name="TextBox 14">
@@ -23622,8 +23420,8 @@
           </a:p>
         </p:txBody>
       </p:sp>
-      <mc:AlternateContent xmlns:mc="http://schemas.openxmlformats.org/markup-compatibility/2006">
-        <mc:Choice xmlns:a14="http://schemas.microsoft.com/office/drawing/2010/main" Requires="a14">
+      <mc:AlternateContent xmlns:mc="http://schemas.openxmlformats.org/markup-compatibility/2006" xmlns:a14="http://schemas.microsoft.com/office/drawing/2010/main">
+        <mc:Choice Requires="a14">
           <p:sp>
             <p:nvSpPr>
               <p:cNvPr id="18" name="TextBox 17">
@@ -24094,7 +23892,7 @@
             </p:txBody>
           </p:sp>
         </mc:Choice>
-        <mc:Fallback>
+        <mc:Fallback xmlns="">
           <p:sp>
             <p:nvSpPr>
               <p:cNvPr id="18" name="TextBox 17">
@@ -24152,7 +23950,7 @@
 </p:sld>
 </file>
 
-<file path=ppt/slides/slide14.xml><?xml version="1.0" encoding="utf-8"?>
+<file path=ppt/slides/slide13.xml><?xml version="1.0" encoding="utf-8"?>
 <p:sld xmlns:a="http://schemas.openxmlformats.org/drawingml/2006/main" xmlns:r="http://schemas.openxmlformats.org/officeDocument/2006/relationships" xmlns:p="http://schemas.openxmlformats.org/presentationml/2006/main">
   <p:cSld>
     <p:spTree>
@@ -24227,12 +24025,22 @@
               <a:rPr lang="en-US" noProof="0" dirty="0"/>
               <a:t>Being able to evaluate control response in step responses.</a:t>
             </a:r>
-          </a:p>
-          <a:p>
+            <a:endParaRPr lang="tr-TR" noProof="0" dirty="0"/>
+          </a:p>
+          <a:p>
+            <a:r>
+              <a:rPr lang="tr-TR" noProof="0" dirty="0"/>
+              <a:t> </a:t>
+            </a:r>
             <a:r>
               <a:rPr lang="en-US" noProof="0" dirty="0"/>
-              <a:t>Being able to evaluate control performance in EOG.</a:t>
-            </a:r>
+              <a:t>Being able to evaluate control performance in </a:t>
+            </a:r>
+            <a:r>
+              <a:rPr lang="en-US" noProof="0"/>
+              <a:t>EOG.</a:t>
+            </a:r>
+            <a:endParaRPr lang="en-US" noProof="0" dirty="0"/>
           </a:p>
           <a:p>
             <a:endParaRPr lang="en-US" noProof="0" dirty="0"/>
@@ -24339,7 +24147,7 @@
           <a:p>
             <a:fld id="{3A84E93A-72FE-4BB6-A500-FB6DD421822B}" type="slidenum">
               <a:rPr lang="en-US" noProof="0" smtClean="0"/>
-              <a:t>14</a:t>
+              <a:t>13</a:t>
             </a:fld>
             <a:endParaRPr lang="en-US" noProof="0" dirty="0"/>
           </a:p>
@@ -25472,7 +25280,7 @@
           <p:cNvPr id="3" name="Title 2">
             <a:extLst>
               <a:ext uri="{FF2B5EF4-FFF2-40B4-BE49-F238E27FC236}">
-                <a16:creationId xmlns:a16="http://schemas.microsoft.com/office/drawing/2014/main" id="{4A905036-A442-6E8B-1BA8-57BEC572CEE0}"/>
+                <a16:creationId xmlns:a16="http://schemas.microsoft.com/office/drawing/2014/main" id="{F0FED45A-3F46-A799-4D3C-F91DF31A0A93}"/>
               </a:ext>
             </a:extLst>
           </p:cNvPr>
@@ -25490,7 +25298,7 @@
           <a:p>
             <a:r>
               <a:rPr lang="en-US" noProof="0" dirty="0"/>
-              <a:t>Step response at 9m/s to 10m/s</a:t>
+              <a:t>Step response at 17m/s to 18m/s</a:t>
             </a:r>
           </a:p>
         </p:txBody>
@@ -25500,7 +25308,7 @@
           <p:cNvPr id="4" name="Date Placeholder 3">
             <a:extLst>
               <a:ext uri="{FF2B5EF4-FFF2-40B4-BE49-F238E27FC236}">
-                <a16:creationId xmlns:a16="http://schemas.microsoft.com/office/drawing/2014/main" id="{D6C2E88F-DD64-3989-4AE6-0F1531E24A06}"/>
+                <a16:creationId xmlns:a16="http://schemas.microsoft.com/office/drawing/2014/main" id="{834811FB-F216-F125-0AE3-67170A65FF83}"/>
               </a:ext>
             </a:extLst>
           </p:cNvPr>
@@ -25528,7 +25336,7 @@
           <p:cNvPr id="5" name="Footer Placeholder 4">
             <a:extLst>
               <a:ext uri="{FF2B5EF4-FFF2-40B4-BE49-F238E27FC236}">
-                <a16:creationId xmlns:a16="http://schemas.microsoft.com/office/drawing/2014/main" id="{2FBA53C8-1EBF-57E2-445F-5233E739DA28}"/>
+                <a16:creationId xmlns:a16="http://schemas.microsoft.com/office/drawing/2014/main" id="{3F299FD8-FA8C-8A22-76F6-82E0BB81D1B1}"/>
               </a:ext>
             </a:extLst>
           </p:cNvPr>
@@ -25556,7 +25364,7 @@
           <p:cNvPr id="6" name="Slide Number Placeholder 5">
             <a:extLst>
               <a:ext uri="{FF2B5EF4-FFF2-40B4-BE49-F238E27FC236}">
-                <a16:creationId xmlns:a16="http://schemas.microsoft.com/office/drawing/2014/main" id="{8204B0FE-CA5F-8483-6161-10E19F1B8041}"/>
+                <a16:creationId xmlns:a16="http://schemas.microsoft.com/office/drawing/2014/main" id="{F3EBFC51-610F-C26F-19F9-4513A4AAA91A}"/>
               </a:ext>
             </a:extLst>
           </p:cNvPr>
@@ -25575,209 +25383,6 @@
             <a:fld id="{3A84E93A-72FE-4BB6-A500-FB6DD421822B}" type="slidenum">
               <a:rPr lang="en-US" noProof="0" smtClean="0"/>
               <a:t>6</a:t>
-            </a:fld>
-            <a:endParaRPr lang="en-US" noProof="0" dirty="0"/>
-          </a:p>
-        </p:txBody>
-      </p:sp>
-      <p:sp>
-        <p:nvSpPr>
-          <p:cNvPr id="7" name="Text Placeholder 6">
-            <a:extLst>
-              <a:ext uri="{FF2B5EF4-FFF2-40B4-BE49-F238E27FC236}">
-                <a16:creationId xmlns:a16="http://schemas.microsoft.com/office/drawing/2014/main" id="{F7DA2C63-2ACC-C17F-387A-184727F81957}"/>
-              </a:ext>
-            </a:extLst>
-          </p:cNvPr>
-          <p:cNvSpPr>
-            <a:spLocks noGrp="1"/>
-          </p:cNvSpPr>
-          <p:nvPr>
-            <p:ph type="body" sz="quarter" idx="18"/>
-          </p:nvPr>
-        </p:nvSpPr>
-        <p:spPr/>
-        <p:txBody>
-          <a:bodyPr/>
-          <a:lstStyle/>
-          <a:p>
-            <a:r>
-              <a:rPr lang="en-US" noProof="0" dirty="0"/>
-              <a:t>Saurabh Jha - 770271</a:t>
-            </a:r>
-          </a:p>
-        </p:txBody>
-      </p:sp>
-      <p:pic>
-        <p:nvPicPr>
-          <p:cNvPr id="19" name="Content Placeholder 18">
-            <a:extLst>
-              <a:ext uri="{FF2B5EF4-FFF2-40B4-BE49-F238E27FC236}">
-                <a16:creationId xmlns:a16="http://schemas.microsoft.com/office/drawing/2014/main" id="{38F9363E-5500-457A-929A-E63A2CEC061A}"/>
-              </a:ext>
-            </a:extLst>
-          </p:cNvPr>
-          <p:cNvPicPr>
-            <a:picLocks noGrp="1" noChangeAspect="1"/>
-          </p:cNvPicPr>
-          <p:nvPr>
-            <p:ph idx="1"/>
-          </p:nvPr>
-        </p:nvPicPr>
-        <p:blipFill>
-          <a:blip r:embed="rId2"/>
-          <a:stretch>
-            <a:fillRect/>
-          </a:stretch>
-        </p:blipFill>
-        <p:spPr>
-          <a:xfrm>
-            <a:off x="1821579" y="1825625"/>
-            <a:ext cx="8548841" cy="4351338"/>
-          </a:xfrm>
-          <a:prstGeom prst="rect">
-            <a:avLst/>
-          </a:prstGeom>
-        </p:spPr>
-      </p:pic>
-    </p:spTree>
-    <p:extLst>
-      <p:ext uri="{BB962C8B-B14F-4D97-AF65-F5344CB8AC3E}">
-        <p14:creationId xmlns:p14="http://schemas.microsoft.com/office/powerpoint/2010/main" val="3077309899"/>
-      </p:ext>
-    </p:extLst>
-  </p:cSld>
-  <p:clrMapOvr>
-    <a:masterClrMapping/>
-  </p:clrMapOvr>
-</p:sld>
-</file>
-
-<file path=ppt/slides/slide7.xml><?xml version="1.0" encoding="utf-8"?>
-<p:sld xmlns:a="http://schemas.openxmlformats.org/drawingml/2006/main" xmlns:r="http://schemas.openxmlformats.org/officeDocument/2006/relationships" xmlns:p="http://schemas.openxmlformats.org/presentationml/2006/main">
-  <p:cSld>
-    <p:spTree>
-      <p:nvGrpSpPr>
-        <p:cNvPr id="1" name=""/>
-        <p:cNvGrpSpPr/>
-        <p:nvPr/>
-      </p:nvGrpSpPr>
-      <p:grpSpPr>
-        <a:xfrm>
-          <a:off x="0" y="0"/>
-          <a:ext cx="0" cy="0"/>
-          <a:chOff x="0" y="0"/>
-          <a:chExt cx="0" cy="0"/>
-        </a:xfrm>
-      </p:grpSpPr>
-      <p:sp>
-        <p:nvSpPr>
-          <p:cNvPr id="3" name="Title 2">
-            <a:extLst>
-              <a:ext uri="{FF2B5EF4-FFF2-40B4-BE49-F238E27FC236}">
-                <a16:creationId xmlns:a16="http://schemas.microsoft.com/office/drawing/2014/main" id="{F0FED45A-3F46-A799-4D3C-F91DF31A0A93}"/>
-              </a:ext>
-            </a:extLst>
-          </p:cNvPr>
-          <p:cNvSpPr>
-            <a:spLocks noGrp="1"/>
-          </p:cNvSpPr>
-          <p:nvPr>
-            <p:ph type="title"/>
-          </p:nvPr>
-        </p:nvSpPr>
-        <p:spPr/>
-        <p:txBody>
-          <a:bodyPr/>
-          <a:lstStyle/>
-          <a:p>
-            <a:r>
-              <a:rPr lang="en-US" noProof="0" dirty="0"/>
-              <a:t>Step response at 17m/s to 18m/s</a:t>
-            </a:r>
-          </a:p>
-        </p:txBody>
-      </p:sp>
-      <p:sp>
-        <p:nvSpPr>
-          <p:cNvPr id="4" name="Date Placeholder 3">
-            <a:extLst>
-              <a:ext uri="{FF2B5EF4-FFF2-40B4-BE49-F238E27FC236}">
-                <a16:creationId xmlns:a16="http://schemas.microsoft.com/office/drawing/2014/main" id="{834811FB-F216-F125-0AE3-67170A65FF83}"/>
-              </a:ext>
-            </a:extLst>
-          </p:cNvPr>
-          <p:cNvSpPr>
-            <a:spLocks noGrp="1"/>
-          </p:cNvSpPr>
-          <p:nvPr>
-            <p:ph type="dt" sz="half" idx="10"/>
-          </p:nvPr>
-        </p:nvSpPr>
-        <p:spPr/>
-        <p:txBody>
-          <a:bodyPr/>
-          <a:lstStyle/>
-          <a:p>
-            <a:r>
-              <a:rPr lang="en-US" noProof="0" dirty="0"/>
-              <a:t>28/10/2025</a:t>
-            </a:r>
-          </a:p>
-        </p:txBody>
-      </p:sp>
-      <p:sp>
-        <p:nvSpPr>
-          <p:cNvPr id="5" name="Footer Placeholder 4">
-            <a:extLst>
-              <a:ext uri="{FF2B5EF4-FFF2-40B4-BE49-F238E27FC236}">
-                <a16:creationId xmlns:a16="http://schemas.microsoft.com/office/drawing/2014/main" id="{3F299FD8-FA8C-8A22-76F6-82E0BB81D1B1}"/>
-              </a:ext>
-            </a:extLst>
-          </p:cNvPr>
-          <p:cNvSpPr>
-            <a:spLocks noGrp="1"/>
-          </p:cNvSpPr>
-          <p:nvPr>
-            <p:ph type="ftr" sz="quarter" idx="11"/>
-          </p:nvPr>
-        </p:nvSpPr>
-        <p:spPr/>
-        <p:txBody>
-          <a:bodyPr/>
-          <a:lstStyle/>
-          <a:p>
-            <a:r>
-              <a:rPr lang="en-US" noProof="0" dirty="0"/>
-              <a:t>Feedback Controller / Optimus Syria</a:t>
-            </a:r>
-          </a:p>
-        </p:txBody>
-      </p:sp>
-      <p:sp>
-        <p:nvSpPr>
-          <p:cNvPr id="6" name="Slide Number Placeholder 5">
-            <a:extLst>
-              <a:ext uri="{FF2B5EF4-FFF2-40B4-BE49-F238E27FC236}">
-                <a16:creationId xmlns:a16="http://schemas.microsoft.com/office/drawing/2014/main" id="{F3EBFC51-610F-C26F-19F9-4513A4AAA91A}"/>
-              </a:ext>
-            </a:extLst>
-          </p:cNvPr>
-          <p:cNvSpPr>
-            <a:spLocks noGrp="1"/>
-          </p:cNvSpPr>
-          <p:nvPr>
-            <p:ph type="sldNum" sz="quarter" idx="12"/>
-          </p:nvPr>
-        </p:nvSpPr>
-        <p:spPr/>
-        <p:txBody>
-          <a:bodyPr/>
-          <a:lstStyle/>
-          <a:p>
-            <a:fld id="{3A84E93A-72FE-4BB6-A500-FB6DD421822B}" type="slidenum">
-              <a:rPr lang="en-US" noProof="0" smtClean="0"/>
-              <a:t>7</a:t>
             </a:fld>
             <a:endParaRPr lang="en-US" noProof="0" dirty="0"/>
           </a:p>
@@ -25856,7 +25461,7 @@
 </p:sld>
 </file>
 
-<file path=ppt/slides/slide8.xml><?xml version="1.0" encoding="utf-8"?>
+<file path=ppt/slides/slide7.xml><?xml version="1.0" encoding="utf-8"?>
 <p:sld xmlns:a="http://schemas.openxmlformats.org/drawingml/2006/main" xmlns:r="http://schemas.openxmlformats.org/officeDocument/2006/relationships" xmlns:p="http://schemas.openxmlformats.org/presentationml/2006/main">
   <p:cSld>
     <p:spTree>
@@ -26110,7 +25715,7 @@
           <a:p>
             <a:fld id="{3A84E93A-72FE-4BB6-A500-FB6DD421822B}" type="slidenum">
               <a:rPr lang="en-US" noProof="0" smtClean="0"/>
-              <a:t>8</a:t>
+              <a:t>7</a:t>
             </a:fld>
             <a:endParaRPr lang="en-US" noProof="0" dirty="0"/>
           </a:p>
@@ -26148,6 +25753,330 @@
     <p:extLst>
       <p:ext uri="{BB962C8B-B14F-4D97-AF65-F5344CB8AC3E}">
         <p14:creationId xmlns:p14="http://schemas.microsoft.com/office/powerpoint/2010/main" val="3100720568"/>
+      </p:ext>
+    </p:extLst>
+  </p:cSld>
+  <p:clrMapOvr>
+    <a:masterClrMapping/>
+  </p:clrMapOvr>
+</p:sld>
+</file>
+
+<file path=ppt/slides/slide8.xml><?xml version="1.0" encoding="utf-8"?>
+<p:sld xmlns:a="http://schemas.openxmlformats.org/drawingml/2006/main" xmlns:r="http://schemas.openxmlformats.org/officeDocument/2006/relationships" xmlns:p="http://schemas.openxmlformats.org/presentationml/2006/main">
+  <p:cSld>
+    <p:spTree>
+      <p:nvGrpSpPr>
+        <p:cNvPr id="1" name=""/>
+        <p:cNvGrpSpPr/>
+        <p:nvPr/>
+      </p:nvGrpSpPr>
+      <p:grpSpPr>
+        <a:xfrm>
+          <a:off x="0" y="0"/>
+          <a:ext cx="0" cy="0"/>
+          <a:chOff x="0" y="0"/>
+          <a:chExt cx="0" cy="0"/>
+        </a:xfrm>
+      </p:grpSpPr>
+      <p:sp>
+        <p:nvSpPr>
+          <p:cNvPr id="2" name="Content Placeholder 1">
+            <a:extLst>
+              <a:ext uri="{FF2B5EF4-FFF2-40B4-BE49-F238E27FC236}">
+                <a16:creationId xmlns:a16="http://schemas.microsoft.com/office/drawing/2014/main" id="{3CCAF88D-D0C7-E177-E39E-062AC6C5E4BA}"/>
+              </a:ext>
+            </a:extLst>
+          </p:cNvPr>
+          <p:cNvSpPr>
+            <a:spLocks noGrp="1"/>
+          </p:cNvSpPr>
+          <p:nvPr>
+            <p:ph idx="1"/>
+          </p:nvPr>
+        </p:nvSpPr>
+        <p:spPr/>
+        <p:txBody>
+          <a:bodyPr>
+            <a:normAutofit/>
+          </a:bodyPr>
+          <a:lstStyle/>
+          <a:p>
+            <a:pPr>
+              <a:buFont typeface="Arial" panose="020B0604020202020204" pitchFamily="34" charset="0"/>
+              <a:buChar char="•"/>
+            </a:pPr>
+            <a:r>
+              <a:rPr lang="en-US" b="1" noProof="0" dirty="0"/>
+              <a:t>30 seconds </a:t>
+            </a:r>
+            <a:r>
+              <a:rPr lang="en-US" noProof="0" dirty="0"/>
+              <a:t>of simulation</a:t>
+            </a:r>
+          </a:p>
+          <a:p>
+            <a:pPr>
+              <a:buFont typeface="Arial" panose="020B0604020202020204" pitchFamily="34" charset="0"/>
+              <a:buChar char="•"/>
+            </a:pPr>
+            <a:endParaRPr lang="en-US" noProof="0" dirty="0"/>
+          </a:p>
+          <a:p>
+            <a:pPr marL="342900" indent="-342900">
+              <a:buFont typeface="Arial" panose="020B0604020202020204" pitchFamily="34" charset="0"/>
+              <a:buChar char="•"/>
+            </a:pPr>
+            <a:r>
+              <a:rPr lang="en-US" noProof="0" dirty="0"/>
+              <a:t>   EOG wind fields for 12 m/s and 25 m/s, adjusted for IEA 3.4 MW</a:t>
+            </a:r>
+          </a:p>
+          <a:p>
+            <a:pPr marL="342900" indent="-342900">
+              <a:buFont typeface="Arial" panose="020B0604020202020204" pitchFamily="34" charset="0"/>
+              <a:buChar char="•"/>
+            </a:pPr>
+            <a:endParaRPr lang="en-US" noProof="0" dirty="0"/>
+          </a:p>
+          <a:p>
+            <a:pPr marL="342900" indent="-342900">
+              <a:buFont typeface="Arial" panose="020B0604020202020204" pitchFamily="34" charset="0"/>
+              <a:buChar char="•"/>
+            </a:pPr>
+            <a:r>
+              <a:rPr lang="en-US" b="1" noProof="0" dirty="0"/>
+              <a:t>  All DOFs enabled </a:t>
+            </a:r>
+            <a:r>
+              <a:rPr lang="en-US" noProof="0" dirty="0"/>
+              <a:t>except rotor-teeter, yaw and platform DOFs.</a:t>
+            </a:r>
+          </a:p>
+          <a:p>
+            <a:pPr marL="342900" indent="-342900">
+              <a:buFont typeface="Arial" panose="020B0604020202020204" pitchFamily="34" charset="0"/>
+              <a:buChar char="•"/>
+            </a:pPr>
+            <a:endParaRPr lang="en-US" b="1" noProof="0" dirty="0"/>
+          </a:p>
+          <a:p>
+            <a:pPr>
+              <a:buFont typeface="Arial" panose="020B0604020202020204" pitchFamily="34" charset="0"/>
+              <a:buChar char="•"/>
+            </a:pPr>
+            <a:r>
+              <a:rPr lang="en-US" b="1" noProof="0" dirty="0"/>
+              <a:t>Initial conditions of pitch angle </a:t>
+            </a:r>
+            <a:r>
+              <a:rPr lang="en-US" noProof="0" dirty="0"/>
+              <a:t>and </a:t>
+            </a:r>
+            <a:r>
+              <a:rPr lang="en-US" b="1" noProof="0" dirty="0"/>
+              <a:t>rotor speed </a:t>
+            </a:r>
+            <a:r>
+              <a:rPr lang="en-US" noProof="0" dirty="0"/>
+              <a:t>and </a:t>
+            </a:r>
+            <a:r>
+              <a:rPr lang="en-US" b="1" noProof="0" dirty="0"/>
+              <a:t>tower top displacement.</a:t>
+            </a:r>
+          </a:p>
+          <a:p>
+            <a:pPr>
+              <a:buFont typeface="Arial" panose="020B0604020202020204" pitchFamily="34" charset="0"/>
+              <a:buChar char="•"/>
+            </a:pPr>
+            <a:endParaRPr lang="en-US" noProof="0" dirty="0"/>
+          </a:p>
+          <a:p>
+            <a:pPr>
+              <a:buFont typeface="Arial" panose="020B0604020202020204" pitchFamily="34" charset="0"/>
+              <a:buChar char="•"/>
+            </a:pPr>
+            <a:r>
+              <a:rPr lang="en-US" noProof="0" dirty="0"/>
+              <a:t>Running only </a:t>
+            </a:r>
+            <a:r>
+              <a:rPr lang="en-US" b="1" noProof="0" dirty="0"/>
+              <a:t>feedback controller </a:t>
+            </a:r>
+            <a:r>
+              <a:rPr lang="en-US" noProof="0" dirty="0"/>
+              <a:t>with</a:t>
+            </a:r>
+            <a:r>
+              <a:rPr lang="en-US" b="1" noProof="0" dirty="0"/>
+              <a:t> different </a:t>
+            </a:r>
+            <a:r>
+              <a:rPr lang="en-US" b="1" noProof="0" dirty="0" err="1"/>
+              <a:t>Kp</a:t>
+            </a:r>
+            <a:r>
+              <a:rPr lang="en-US" b="1" noProof="0" dirty="0"/>
+              <a:t> and Ki</a:t>
+            </a:r>
+            <a:r>
+              <a:rPr lang="en-US" noProof="0" dirty="0"/>
+              <a:t>, no Lidar-assisted controller.</a:t>
+            </a:r>
+          </a:p>
+          <a:p>
+            <a:endParaRPr lang="en-US" noProof="0" dirty="0"/>
+          </a:p>
+        </p:txBody>
+      </p:sp>
+      <p:sp>
+        <p:nvSpPr>
+          <p:cNvPr id="3" name="Title 2">
+            <a:extLst>
+              <a:ext uri="{FF2B5EF4-FFF2-40B4-BE49-F238E27FC236}">
+                <a16:creationId xmlns:a16="http://schemas.microsoft.com/office/drawing/2014/main" id="{A55AFA2A-9B6B-3AE6-038B-4DFCE937F79D}"/>
+              </a:ext>
+            </a:extLst>
+          </p:cNvPr>
+          <p:cNvSpPr>
+            <a:spLocks noGrp="1"/>
+          </p:cNvSpPr>
+          <p:nvPr>
+            <p:ph type="title"/>
+          </p:nvPr>
+        </p:nvSpPr>
+        <p:spPr/>
+        <p:txBody>
+          <a:bodyPr/>
+          <a:lstStyle/>
+          <a:p>
+            <a:r>
+              <a:rPr lang="en-US" noProof="0" dirty="0"/>
+              <a:t>Simulation Settings for EOG</a:t>
+            </a:r>
+          </a:p>
+        </p:txBody>
+      </p:sp>
+      <p:sp>
+        <p:nvSpPr>
+          <p:cNvPr id="4" name="Date Placeholder 3">
+            <a:extLst>
+              <a:ext uri="{FF2B5EF4-FFF2-40B4-BE49-F238E27FC236}">
+                <a16:creationId xmlns:a16="http://schemas.microsoft.com/office/drawing/2014/main" id="{57833385-5B7E-9A97-E8C3-C3A2121388BC}"/>
+              </a:ext>
+            </a:extLst>
+          </p:cNvPr>
+          <p:cNvSpPr>
+            <a:spLocks noGrp="1"/>
+          </p:cNvSpPr>
+          <p:nvPr>
+            <p:ph type="dt" sz="half" idx="10"/>
+          </p:nvPr>
+        </p:nvSpPr>
+        <p:spPr/>
+        <p:txBody>
+          <a:bodyPr/>
+          <a:lstStyle/>
+          <a:p>
+            <a:r>
+              <a:rPr lang="en-US" noProof="0" dirty="0"/>
+              <a:t>28/10/2025</a:t>
+            </a:r>
+          </a:p>
+        </p:txBody>
+      </p:sp>
+      <p:sp>
+        <p:nvSpPr>
+          <p:cNvPr id="5" name="Footer Placeholder 4">
+            <a:extLst>
+              <a:ext uri="{FF2B5EF4-FFF2-40B4-BE49-F238E27FC236}">
+                <a16:creationId xmlns:a16="http://schemas.microsoft.com/office/drawing/2014/main" id="{CF2F5B36-358D-D956-5D7F-5CE58D126CCC}"/>
+              </a:ext>
+            </a:extLst>
+          </p:cNvPr>
+          <p:cNvSpPr>
+            <a:spLocks noGrp="1"/>
+          </p:cNvSpPr>
+          <p:nvPr>
+            <p:ph type="ftr" sz="quarter" idx="11"/>
+          </p:nvPr>
+        </p:nvSpPr>
+        <p:spPr/>
+        <p:txBody>
+          <a:bodyPr/>
+          <a:lstStyle/>
+          <a:p>
+            <a:r>
+              <a:rPr lang="en-US" noProof="0" dirty="0"/>
+              <a:t>Feedback Controller / Optimus Syria</a:t>
+            </a:r>
+          </a:p>
+        </p:txBody>
+      </p:sp>
+      <p:sp>
+        <p:nvSpPr>
+          <p:cNvPr id="6" name="Slide Number Placeholder 5">
+            <a:extLst>
+              <a:ext uri="{FF2B5EF4-FFF2-40B4-BE49-F238E27FC236}">
+                <a16:creationId xmlns:a16="http://schemas.microsoft.com/office/drawing/2014/main" id="{86CE1C47-3787-1C0A-71B4-BC6B93199D9B}"/>
+              </a:ext>
+            </a:extLst>
+          </p:cNvPr>
+          <p:cNvSpPr>
+            <a:spLocks noGrp="1"/>
+          </p:cNvSpPr>
+          <p:nvPr>
+            <p:ph type="sldNum" sz="quarter" idx="12"/>
+          </p:nvPr>
+        </p:nvSpPr>
+        <p:spPr/>
+        <p:txBody>
+          <a:bodyPr/>
+          <a:lstStyle/>
+          <a:p>
+            <a:fld id="{3A84E93A-72FE-4BB6-A500-FB6DD421822B}" type="slidenum">
+              <a:rPr lang="en-US" noProof="0" smtClean="0"/>
+              <a:t>8</a:t>
+            </a:fld>
+            <a:endParaRPr lang="en-US" noProof="0" dirty="0"/>
+          </a:p>
+        </p:txBody>
+      </p:sp>
+      <p:sp>
+        <p:nvSpPr>
+          <p:cNvPr id="7" name="Text Placeholder 6">
+            <a:extLst>
+              <a:ext uri="{FF2B5EF4-FFF2-40B4-BE49-F238E27FC236}">
+                <a16:creationId xmlns:a16="http://schemas.microsoft.com/office/drawing/2014/main" id="{5A1ECF3E-8075-8B48-1376-BFA311D6A992}"/>
+              </a:ext>
+            </a:extLst>
+          </p:cNvPr>
+          <p:cNvSpPr>
+            <a:spLocks noGrp="1"/>
+          </p:cNvSpPr>
+          <p:nvPr>
+            <p:ph type="body" sz="quarter" idx="18"/>
+          </p:nvPr>
+        </p:nvSpPr>
+        <p:spPr/>
+        <p:txBody>
+          <a:bodyPr/>
+          <a:lstStyle/>
+          <a:p>
+            <a:r>
+              <a:rPr lang="en-US" noProof="0" dirty="0"/>
+              <a:t>Saurabh Jha - 770271</a:t>
+            </a:r>
+          </a:p>
+        </p:txBody>
+      </p:sp>
+    </p:spTree>
+    <p:extLst>
+      <p:ext uri="{BB962C8B-B14F-4D97-AF65-F5344CB8AC3E}">
+        <p14:creationId xmlns:p14="http://schemas.microsoft.com/office/powerpoint/2010/main" val="733391202"/>
       </p:ext>
     </p:extLst>
   </p:cSld>
@@ -26176,163 +26105,10 @@
       </p:grpSpPr>
       <p:sp>
         <p:nvSpPr>
-          <p:cNvPr id="2" name="Content Placeholder 1">
-            <a:extLst>
-              <a:ext uri="{FF2B5EF4-FFF2-40B4-BE49-F238E27FC236}">
-                <a16:creationId xmlns:a16="http://schemas.microsoft.com/office/drawing/2014/main" id="{3CCAF88D-D0C7-E177-E39E-062AC6C5E4BA}"/>
-              </a:ext>
-            </a:extLst>
-          </p:cNvPr>
-          <p:cNvSpPr>
-            <a:spLocks noGrp="1"/>
-          </p:cNvSpPr>
-          <p:nvPr>
-            <p:ph idx="1"/>
-          </p:nvPr>
-        </p:nvSpPr>
-        <p:spPr/>
-        <p:txBody>
-          <a:bodyPr>
-            <a:normAutofit/>
-          </a:bodyPr>
-          <a:lstStyle/>
-          <a:p>
-            <a:pPr>
-              <a:buFont typeface="Arial" panose="020B0604020202020204" pitchFamily="34" charset="0"/>
-              <a:buChar char="•"/>
-            </a:pPr>
-            <a:r>
-              <a:rPr lang="en-US" b="1" noProof="0" dirty="0"/>
-              <a:t>30 seconds </a:t>
-            </a:r>
-            <a:r>
-              <a:rPr lang="en-US" noProof="0" dirty="0"/>
-              <a:t>of simulation</a:t>
-            </a:r>
-          </a:p>
-          <a:p>
-            <a:pPr>
-              <a:buFont typeface="Arial" panose="020B0604020202020204" pitchFamily="34" charset="0"/>
-              <a:buChar char="•"/>
-            </a:pPr>
-            <a:endParaRPr lang="en-US" noProof="0" dirty="0"/>
-          </a:p>
-          <a:p>
-            <a:pPr marL="342900" indent="-342900">
-              <a:buFont typeface="Arial" panose="020B0604020202020204" pitchFamily="34" charset="0"/>
-              <a:buChar char="•"/>
-            </a:pPr>
-            <a:r>
-              <a:rPr lang="en-US" noProof="0" dirty="0"/>
-              <a:t>   EOG wind fields for 12 m/s and 25 m/s, adjusted for IEA 3.4 MW</a:t>
-            </a:r>
-          </a:p>
-          <a:p>
-            <a:pPr marL="342900" indent="-342900">
-              <a:buFont typeface="Arial" panose="020B0604020202020204" pitchFamily="34" charset="0"/>
-              <a:buChar char="•"/>
-            </a:pPr>
-            <a:endParaRPr lang="en-US" noProof="0" dirty="0"/>
-          </a:p>
-          <a:p>
-            <a:pPr marL="342900" indent="-342900">
-              <a:buFont typeface="Arial" panose="020B0604020202020204" pitchFamily="34" charset="0"/>
-              <a:buChar char="•"/>
-            </a:pPr>
-            <a:r>
-              <a:rPr lang="en-US" b="1" noProof="0" dirty="0"/>
-              <a:t>  All DOFs enabled </a:t>
-            </a:r>
-            <a:r>
-              <a:rPr lang="en-US" noProof="0" dirty="0"/>
-              <a:t>except rotor-teeter, yaw and platform DOFs.</a:t>
-            </a:r>
-          </a:p>
-          <a:p>
-            <a:pPr marL="342900" indent="-342900">
-              <a:buFont typeface="Arial" panose="020B0604020202020204" pitchFamily="34" charset="0"/>
-              <a:buChar char="•"/>
-            </a:pPr>
-            <a:endParaRPr lang="en-US" b="1" noProof="0" dirty="0"/>
-          </a:p>
-          <a:p>
-            <a:pPr>
-              <a:buFont typeface="Arial" panose="020B0604020202020204" pitchFamily="34" charset="0"/>
-              <a:buChar char="•"/>
-            </a:pPr>
-            <a:r>
-              <a:rPr lang="en-US" b="1" noProof="0" dirty="0"/>
-              <a:t>Initial conditions of pitch angle </a:t>
-            </a:r>
-            <a:r>
-              <a:rPr lang="en-US" noProof="0" dirty="0"/>
-              <a:t>and </a:t>
-            </a:r>
-            <a:r>
-              <a:rPr lang="en-US" b="1" noProof="0" dirty="0"/>
-              <a:t>rotor speed </a:t>
-            </a:r>
-            <a:r>
-              <a:rPr lang="en-US" noProof="0" dirty="0"/>
-              <a:t>and </a:t>
-            </a:r>
-            <a:r>
-              <a:rPr lang="en-US" b="1" noProof="0" dirty="0"/>
-              <a:t>tower top displacement.</a:t>
-            </a:r>
-          </a:p>
-          <a:p>
-            <a:pPr>
-              <a:buFont typeface="Arial" panose="020B0604020202020204" pitchFamily="34" charset="0"/>
-              <a:buChar char="•"/>
-            </a:pPr>
-            <a:endParaRPr lang="en-US" noProof="0" dirty="0"/>
-          </a:p>
-          <a:p>
-            <a:pPr>
-              <a:buFont typeface="Arial" panose="020B0604020202020204" pitchFamily="34" charset="0"/>
-              <a:buChar char="•"/>
-            </a:pPr>
-            <a:r>
-              <a:rPr lang="en-US" noProof="0" dirty="0"/>
-              <a:t>Running only </a:t>
-            </a:r>
-            <a:r>
-              <a:rPr lang="en-US" b="1" noProof="0" dirty="0"/>
-              <a:t>feedback controller </a:t>
-            </a:r>
-            <a:r>
-              <a:rPr lang="en-US" noProof="0" dirty="0"/>
-              <a:t>with</a:t>
-            </a:r>
-            <a:r>
-              <a:rPr lang="en-US" b="1" noProof="0" dirty="0"/>
-              <a:t> different </a:t>
-            </a:r>
-            <a:r>
-              <a:rPr lang="en-US" b="1" noProof="0" dirty="0" err="1"/>
-              <a:t>Kp</a:t>
-            </a:r>
-            <a:r>
-              <a:rPr lang="en-US" b="1" noProof="0" dirty="0"/>
-              <a:t> and Ki</a:t>
-            </a:r>
-            <a:r>
-              <a:rPr lang="en-US" noProof="0" dirty="0"/>
-              <a:t>, no Lidar-assisted controller.</a:t>
-            </a:r>
-          </a:p>
-          <a:p>
-            <a:endParaRPr lang="en-US" noProof="0" dirty="0"/>
-          </a:p>
-        </p:txBody>
-      </p:sp>
-      <p:sp>
-        <p:nvSpPr>
           <p:cNvPr id="3" name="Title 2">
             <a:extLst>
               <a:ext uri="{FF2B5EF4-FFF2-40B4-BE49-F238E27FC236}">
-                <a16:creationId xmlns:a16="http://schemas.microsoft.com/office/drawing/2014/main" id="{A55AFA2A-9B6B-3AE6-038B-4DFCE937F79D}"/>
+                <a16:creationId xmlns:a16="http://schemas.microsoft.com/office/drawing/2014/main" id="{D0D33412-B1C9-0F80-AEDF-9AAAF7061002}"/>
               </a:ext>
             </a:extLst>
           </p:cNvPr>
@@ -26350,7 +26126,7 @@
           <a:p>
             <a:r>
               <a:rPr lang="en-US" noProof="0" dirty="0"/>
-              <a:t>Simulation Settings for EOG</a:t>
+              <a:t>Pitch Controller</a:t>
             </a:r>
           </a:p>
         </p:txBody>
@@ -26360,7 +26136,7 @@
           <p:cNvPr id="4" name="Date Placeholder 3">
             <a:extLst>
               <a:ext uri="{FF2B5EF4-FFF2-40B4-BE49-F238E27FC236}">
-                <a16:creationId xmlns:a16="http://schemas.microsoft.com/office/drawing/2014/main" id="{57833385-5B7E-9A97-E8C3-C3A2121388BC}"/>
+                <a16:creationId xmlns:a16="http://schemas.microsoft.com/office/drawing/2014/main" id="{C564CC55-D30A-61D2-85C5-7C272C1DFB5B}"/>
               </a:ext>
             </a:extLst>
           </p:cNvPr>
@@ -26388,7 +26164,7 @@
           <p:cNvPr id="5" name="Footer Placeholder 4">
             <a:extLst>
               <a:ext uri="{FF2B5EF4-FFF2-40B4-BE49-F238E27FC236}">
-                <a16:creationId xmlns:a16="http://schemas.microsoft.com/office/drawing/2014/main" id="{CF2F5B36-358D-D956-5D7F-5CE58D126CCC}"/>
+                <a16:creationId xmlns:a16="http://schemas.microsoft.com/office/drawing/2014/main" id="{E3FBDCBC-9F1A-0514-23F6-7B06C57296FF}"/>
               </a:ext>
             </a:extLst>
           </p:cNvPr>
@@ -26416,7 +26192,7 @@
           <p:cNvPr id="6" name="Slide Number Placeholder 5">
             <a:extLst>
               <a:ext uri="{FF2B5EF4-FFF2-40B4-BE49-F238E27FC236}">
-                <a16:creationId xmlns:a16="http://schemas.microsoft.com/office/drawing/2014/main" id="{86CE1C47-3787-1C0A-71B4-BC6B93199D9B}"/>
+                <a16:creationId xmlns:a16="http://schemas.microsoft.com/office/drawing/2014/main" id="{BCAB4F6E-9F6E-21FF-0C31-A8A87A51FA38}"/>
               </a:ext>
             </a:extLst>
           </p:cNvPr>
@@ -26445,7 +26221,7 @@
           <p:cNvPr id="7" name="Text Placeholder 6">
             <a:extLst>
               <a:ext uri="{FF2B5EF4-FFF2-40B4-BE49-F238E27FC236}">
-                <a16:creationId xmlns:a16="http://schemas.microsoft.com/office/drawing/2014/main" id="{5A1ECF3E-8075-8B48-1376-BFA311D6A992}"/>
+                <a16:creationId xmlns:a16="http://schemas.microsoft.com/office/drawing/2014/main" id="{9CFA9149-E6B9-D2FD-C1E6-6D4028B88C92}"/>
               </a:ext>
             </a:extLst>
           </p:cNvPr>
@@ -26468,10 +26244,40 @@
           </a:p>
         </p:txBody>
       </p:sp>
+      <p:pic>
+        <p:nvPicPr>
+          <p:cNvPr id="8" name="Picture 7">
+            <a:extLst>
+              <a:ext uri="{FF2B5EF4-FFF2-40B4-BE49-F238E27FC236}">
+                <a16:creationId xmlns:a16="http://schemas.microsoft.com/office/drawing/2014/main" id="{43C5F319-96E3-25BF-8A35-D4B01B127100}"/>
+              </a:ext>
+            </a:extLst>
+          </p:cNvPr>
+          <p:cNvPicPr>
+            <a:picLocks noChangeAspect="1"/>
+          </p:cNvPicPr>
+          <p:nvPr/>
+        </p:nvPicPr>
+        <p:blipFill>
+          <a:blip r:embed="rId2"/>
+          <a:stretch>
+            <a:fillRect/>
+          </a:stretch>
+        </p:blipFill>
+        <p:spPr>
+          <a:xfrm>
+            <a:off x="1370439" y="1412530"/>
+            <a:ext cx="9451122" cy="5148893"/>
+          </a:xfrm>
+          <a:prstGeom prst="rect">
+            <a:avLst/>
+          </a:prstGeom>
+        </p:spPr>
+      </p:pic>
     </p:spTree>
     <p:extLst>
       <p:ext uri="{BB962C8B-B14F-4D97-AF65-F5344CB8AC3E}">
-        <p14:creationId xmlns:p14="http://schemas.microsoft.com/office/powerpoint/2010/main" val="733391202"/>
+        <p14:creationId xmlns:p14="http://schemas.microsoft.com/office/powerpoint/2010/main" val="822776300"/>
       </p:ext>
     </p:extLst>
   </p:cSld>
